--- a/ppt 16-9/1009.我要向山举目.pptx
+++ b/ppt 16-9/1009.我要向山举目.pptx
@@ -5,7 +5,7 @@
     <p:sldMasterId id="2147483648" r:id="rId1"/>
   </p:sldMasterIdLst>
   <p:sldIdLst>
-    <p:sldId id="426" r:id="rId2"/>
+    <p:sldId id="427" r:id="rId2"/>
   </p:sldIdLst>
   <p:sldSz cx="12192000" cy="6858000"/>
   <p:notesSz cx="6858000" cy="9144000"/>
@@ -129,7 +129,7 @@
           <p:cNvPr id="2" name="标题 1">
             <a:extLst>
               <a:ext uri="{FF2B5EF4-FFF2-40B4-BE49-F238E27FC236}">
-                <a16:creationId xmlns:a16="http://schemas.microsoft.com/office/drawing/2014/main" id="{5E34D051-6D6C-A956-5078-3B7A43A7A971}"/>
+                <a16:creationId xmlns:a16="http://schemas.microsoft.com/office/drawing/2014/main" id="{860A68A1-37B4-5440-D864-E9850AB2828F}"/>
               </a:ext>
             </a:extLst>
           </p:cNvPr>
@@ -166,7 +166,7 @@
           <p:cNvPr id="3" name="副标题 2">
             <a:extLst>
               <a:ext uri="{FF2B5EF4-FFF2-40B4-BE49-F238E27FC236}">
-                <a16:creationId xmlns:a16="http://schemas.microsoft.com/office/drawing/2014/main" id="{12765C89-4945-C0B2-90B9-3DAD51CA0642}"/>
+                <a16:creationId xmlns:a16="http://schemas.microsoft.com/office/drawing/2014/main" id="{FD520521-0922-0309-82EE-4BDAF073FD34}"/>
               </a:ext>
             </a:extLst>
           </p:cNvPr>
@@ -236,7 +236,7 @@
           <p:cNvPr id="4" name="日期占位符 3">
             <a:extLst>
               <a:ext uri="{FF2B5EF4-FFF2-40B4-BE49-F238E27FC236}">
-                <a16:creationId xmlns:a16="http://schemas.microsoft.com/office/drawing/2014/main" id="{23D4A9AB-B58E-EC2F-7B9D-EDC33F297CA6}"/>
+                <a16:creationId xmlns:a16="http://schemas.microsoft.com/office/drawing/2014/main" id="{E2149AB0-6E69-5674-138C-704CA1414C65}"/>
               </a:ext>
             </a:extLst>
           </p:cNvPr>
@@ -252,7 +252,7 @@
           <a:bodyPr/>
           <a:lstStyle/>
           <a:p>
-            <a:fld id="{A8270DBE-34A6-4D9B-8710-5542EE1257B0}" type="datetimeFigureOut">
+            <a:fld id="{C515B93F-4966-4A6D-9C57-736FD80AE91F}" type="datetimeFigureOut">
               <a:rPr lang="zh-CN" altLang="en-US" smtClean="0"/>
               <a:t>2024/3/10</a:t>
             </a:fld>
@@ -265,7 +265,7 @@
           <p:cNvPr id="5" name="页脚占位符 4">
             <a:extLst>
               <a:ext uri="{FF2B5EF4-FFF2-40B4-BE49-F238E27FC236}">
-                <a16:creationId xmlns:a16="http://schemas.microsoft.com/office/drawing/2014/main" id="{ED33D51C-2793-C442-24F0-A82A9388EBE9}"/>
+                <a16:creationId xmlns:a16="http://schemas.microsoft.com/office/drawing/2014/main" id="{3560E2EB-3A72-7DA1-9244-39651272ACD0}"/>
               </a:ext>
             </a:extLst>
           </p:cNvPr>
@@ -290,7 +290,7 @@
           <p:cNvPr id="6" name="灯片编号占位符 5">
             <a:extLst>
               <a:ext uri="{FF2B5EF4-FFF2-40B4-BE49-F238E27FC236}">
-                <a16:creationId xmlns:a16="http://schemas.microsoft.com/office/drawing/2014/main" id="{23CE29FC-D33C-6B41-4CCA-EE9A970B1AB6}"/>
+                <a16:creationId xmlns:a16="http://schemas.microsoft.com/office/drawing/2014/main" id="{ABAB0A24-6EF0-2997-A533-8CBE217FBEB3}"/>
               </a:ext>
             </a:extLst>
           </p:cNvPr>
@@ -306,7 +306,7 @@
           <a:bodyPr/>
           <a:lstStyle/>
           <a:p>
-            <a:fld id="{1EE849F9-E4ED-434F-B988-E3309DAF7A6B}" type="slidenum">
+            <a:fld id="{C8D815F0-8851-47BF-BEEC-81A3CE0CBE29}" type="slidenum">
               <a:rPr lang="zh-CN" altLang="en-US" smtClean="0"/>
               <a:t>‹#›</a:t>
             </a:fld>
@@ -317,7 +317,7 @@
     </p:spTree>
     <p:extLst>
       <p:ext uri="{BB962C8B-B14F-4D97-AF65-F5344CB8AC3E}">
-        <p14:creationId xmlns:p14="http://schemas.microsoft.com/office/powerpoint/2010/main" val="1531424878"/>
+        <p14:creationId xmlns:p14="http://schemas.microsoft.com/office/powerpoint/2010/main" val="1309040686"/>
       </p:ext>
     </p:extLst>
   </p:cSld>
@@ -349,7 +349,7 @@
           <p:cNvPr id="2" name="标题 1">
             <a:extLst>
               <a:ext uri="{FF2B5EF4-FFF2-40B4-BE49-F238E27FC236}">
-                <a16:creationId xmlns:a16="http://schemas.microsoft.com/office/drawing/2014/main" id="{BCDE0229-D3B4-8167-99BE-5D22D60C869A}"/>
+                <a16:creationId xmlns:a16="http://schemas.microsoft.com/office/drawing/2014/main" id="{2A49A9D0-19AD-62B4-DE98-7755DE5F50BB}"/>
               </a:ext>
             </a:extLst>
           </p:cNvPr>
@@ -377,7 +377,7 @@
           <p:cNvPr id="3" name="竖排文字占位符 2">
             <a:extLst>
               <a:ext uri="{FF2B5EF4-FFF2-40B4-BE49-F238E27FC236}">
-                <a16:creationId xmlns:a16="http://schemas.microsoft.com/office/drawing/2014/main" id="{F0807162-3387-5541-B7B7-6EC2694C1F30}"/>
+                <a16:creationId xmlns:a16="http://schemas.microsoft.com/office/drawing/2014/main" id="{A591A938-67FB-0669-A1D0-526BAC20E4E9}"/>
               </a:ext>
             </a:extLst>
           </p:cNvPr>
@@ -434,7 +434,7 @@
           <p:cNvPr id="4" name="日期占位符 3">
             <a:extLst>
               <a:ext uri="{FF2B5EF4-FFF2-40B4-BE49-F238E27FC236}">
-                <a16:creationId xmlns:a16="http://schemas.microsoft.com/office/drawing/2014/main" id="{75A2BC48-D835-8104-C57A-8D2766A8251C}"/>
+                <a16:creationId xmlns:a16="http://schemas.microsoft.com/office/drawing/2014/main" id="{41D028F9-0AC4-28E1-668D-166B129A409A}"/>
               </a:ext>
             </a:extLst>
           </p:cNvPr>
@@ -450,7 +450,7 @@
           <a:bodyPr/>
           <a:lstStyle/>
           <a:p>
-            <a:fld id="{A8270DBE-34A6-4D9B-8710-5542EE1257B0}" type="datetimeFigureOut">
+            <a:fld id="{C515B93F-4966-4A6D-9C57-736FD80AE91F}" type="datetimeFigureOut">
               <a:rPr lang="zh-CN" altLang="en-US" smtClean="0"/>
               <a:t>2024/3/10</a:t>
             </a:fld>
@@ -463,7 +463,7 @@
           <p:cNvPr id="5" name="页脚占位符 4">
             <a:extLst>
               <a:ext uri="{FF2B5EF4-FFF2-40B4-BE49-F238E27FC236}">
-                <a16:creationId xmlns:a16="http://schemas.microsoft.com/office/drawing/2014/main" id="{B62345A3-1C62-EB05-4B86-3FADA2A006CB}"/>
+                <a16:creationId xmlns:a16="http://schemas.microsoft.com/office/drawing/2014/main" id="{0FAF6047-3A79-B838-4535-0228694C0569}"/>
               </a:ext>
             </a:extLst>
           </p:cNvPr>
@@ -488,7 +488,7 @@
           <p:cNvPr id="6" name="灯片编号占位符 5">
             <a:extLst>
               <a:ext uri="{FF2B5EF4-FFF2-40B4-BE49-F238E27FC236}">
-                <a16:creationId xmlns:a16="http://schemas.microsoft.com/office/drawing/2014/main" id="{E8A20555-0A48-0B88-3C81-14BFDBB9BDD5}"/>
+                <a16:creationId xmlns:a16="http://schemas.microsoft.com/office/drawing/2014/main" id="{80F84C31-E55A-4F7E-8DB6-AAB101216163}"/>
               </a:ext>
             </a:extLst>
           </p:cNvPr>
@@ -504,7 +504,7 @@
           <a:bodyPr/>
           <a:lstStyle/>
           <a:p>
-            <a:fld id="{1EE849F9-E4ED-434F-B988-E3309DAF7A6B}" type="slidenum">
+            <a:fld id="{C8D815F0-8851-47BF-BEEC-81A3CE0CBE29}" type="slidenum">
               <a:rPr lang="zh-CN" altLang="en-US" smtClean="0"/>
               <a:t>‹#›</a:t>
             </a:fld>
@@ -515,7 +515,7 @@
     </p:spTree>
     <p:extLst>
       <p:ext uri="{BB962C8B-B14F-4D97-AF65-F5344CB8AC3E}">
-        <p14:creationId xmlns:p14="http://schemas.microsoft.com/office/powerpoint/2010/main" val="2639075259"/>
+        <p14:creationId xmlns:p14="http://schemas.microsoft.com/office/powerpoint/2010/main" val="3236117040"/>
       </p:ext>
     </p:extLst>
   </p:cSld>
@@ -547,7 +547,7 @@
           <p:cNvPr id="2" name="竖排标题 1">
             <a:extLst>
               <a:ext uri="{FF2B5EF4-FFF2-40B4-BE49-F238E27FC236}">
-                <a16:creationId xmlns:a16="http://schemas.microsoft.com/office/drawing/2014/main" id="{767FDD3D-8357-E0FC-32B5-809925868D1F}"/>
+                <a16:creationId xmlns:a16="http://schemas.microsoft.com/office/drawing/2014/main" id="{8DBBF7FC-013B-4F02-D05D-241A508B873F}"/>
               </a:ext>
             </a:extLst>
           </p:cNvPr>
@@ -580,7 +580,7 @@
           <p:cNvPr id="3" name="竖排文字占位符 2">
             <a:extLst>
               <a:ext uri="{FF2B5EF4-FFF2-40B4-BE49-F238E27FC236}">
-                <a16:creationId xmlns:a16="http://schemas.microsoft.com/office/drawing/2014/main" id="{F2DB65ED-2813-076E-4D3F-7713684BDBB6}"/>
+                <a16:creationId xmlns:a16="http://schemas.microsoft.com/office/drawing/2014/main" id="{12F2A987-5976-0A0E-7204-BB5C02B1B9D6}"/>
               </a:ext>
             </a:extLst>
           </p:cNvPr>
@@ -642,7 +642,7 @@
           <p:cNvPr id="4" name="日期占位符 3">
             <a:extLst>
               <a:ext uri="{FF2B5EF4-FFF2-40B4-BE49-F238E27FC236}">
-                <a16:creationId xmlns:a16="http://schemas.microsoft.com/office/drawing/2014/main" id="{BE1499A8-964B-8EE1-E0DE-B1F10E4AF769}"/>
+                <a16:creationId xmlns:a16="http://schemas.microsoft.com/office/drawing/2014/main" id="{ACAEF30A-53DF-A6ED-A27B-BD9D57B88A5C}"/>
               </a:ext>
             </a:extLst>
           </p:cNvPr>
@@ -658,7 +658,7 @@
           <a:bodyPr/>
           <a:lstStyle/>
           <a:p>
-            <a:fld id="{A8270DBE-34A6-4D9B-8710-5542EE1257B0}" type="datetimeFigureOut">
+            <a:fld id="{C515B93F-4966-4A6D-9C57-736FD80AE91F}" type="datetimeFigureOut">
               <a:rPr lang="zh-CN" altLang="en-US" smtClean="0"/>
               <a:t>2024/3/10</a:t>
             </a:fld>
@@ -671,7 +671,7 @@
           <p:cNvPr id="5" name="页脚占位符 4">
             <a:extLst>
               <a:ext uri="{FF2B5EF4-FFF2-40B4-BE49-F238E27FC236}">
-                <a16:creationId xmlns:a16="http://schemas.microsoft.com/office/drawing/2014/main" id="{787BD815-D635-E610-9277-78E5202AAA68}"/>
+                <a16:creationId xmlns:a16="http://schemas.microsoft.com/office/drawing/2014/main" id="{6634DDD9-6467-2116-5675-B0D08732E6B7}"/>
               </a:ext>
             </a:extLst>
           </p:cNvPr>
@@ -696,7 +696,7 @@
           <p:cNvPr id="6" name="灯片编号占位符 5">
             <a:extLst>
               <a:ext uri="{FF2B5EF4-FFF2-40B4-BE49-F238E27FC236}">
-                <a16:creationId xmlns:a16="http://schemas.microsoft.com/office/drawing/2014/main" id="{F5C4F063-C56F-6075-E92F-81480C092B66}"/>
+                <a16:creationId xmlns:a16="http://schemas.microsoft.com/office/drawing/2014/main" id="{7BE56095-CDC5-B0E2-F07D-F800C37F4F7B}"/>
               </a:ext>
             </a:extLst>
           </p:cNvPr>
@@ -712,7 +712,7 @@
           <a:bodyPr/>
           <a:lstStyle/>
           <a:p>
-            <a:fld id="{1EE849F9-E4ED-434F-B988-E3309DAF7A6B}" type="slidenum">
+            <a:fld id="{C8D815F0-8851-47BF-BEEC-81A3CE0CBE29}" type="slidenum">
               <a:rPr lang="zh-CN" altLang="en-US" smtClean="0"/>
               <a:t>‹#›</a:t>
             </a:fld>
@@ -723,7 +723,7 @@
     </p:spTree>
     <p:extLst>
       <p:ext uri="{BB962C8B-B14F-4D97-AF65-F5344CB8AC3E}">
-        <p14:creationId xmlns:p14="http://schemas.microsoft.com/office/powerpoint/2010/main" val="1552730232"/>
+        <p14:creationId xmlns:p14="http://schemas.microsoft.com/office/powerpoint/2010/main" val="1599364076"/>
       </p:ext>
     </p:extLst>
   </p:cSld>
@@ -755,7 +755,7 @@
           <p:cNvPr id="2" name="标题 1">
             <a:extLst>
               <a:ext uri="{FF2B5EF4-FFF2-40B4-BE49-F238E27FC236}">
-                <a16:creationId xmlns:a16="http://schemas.microsoft.com/office/drawing/2014/main" id="{F6CFD76E-7CD7-E7DA-1C26-456EE984A999}"/>
+                <a16:creationId xmlns:a16="http://schemas.microsoft.com/office/drawing/2014/main" id="{4CAC4605-EE2A-3709-30DB-41CED93B4DC7}"/>
               </a:ext>
             </a:extLst>
           </p:cNvPr>
@@ -783,7 +783,7 @@
           <p:cNvPr id="3" name="内容占位符 2">
             <a:extLst>
               <a:ext uri="{FF2B5EF4-FFF2-40B4-BE49-F238E27FC236}">
-                <a16:creationId xmlns:a16="http://schemas.microsoft.com/office/drawing/2014/main" id="{E027F3A9-3FE9-684A-5337-33E55AE026F2}"/>
+                <a16:creationId xmlns:a16="http://schemas.microsoft.com/office/drawing/2014/main" id="{742393C4-AEBE-3D07-F2FA-CDA71A14AF3B}"/>
               </a:ext>
             </a:extLst>
           </p:cNvPr>
@@ -840,7 +840,7 @@
           <p:cNvPr id="4" name="日期占位符 3">
             <a:extLst>
               <a:ext uri="{FF2B5EF4-FFF2-40B4-BE49-F238E27FC236}">
-                <a16:creationId xmlns:a16="http://schemas.microsoft.com/office/drawing/2014/main" id="{32EB9A16-2AB8-FDBB-DF4B-47CECF2F9030}"/>
+                <a16:creationId xmlns:a16="http://schemas.microsoft.com/office/drawing/2014/main" id="{476512DA-58A3-1015-B3FF-C60D2E444248}"/>
               </a:ext>
             </a:extLst>
           </p:cNvPr>
@@ -856,7 +856,7 @@
           <a:bodyPr/>
           <a:lstStyle/>
           <a:p>
-            <a:fld id="{A8270DBE-34A6-4D9B-8710-5542EE1257B0}" type="datetimeFigureOut">
+            <a:fld id="{C515B93F-4966-4A6D-9C57-736FD80AE91F}" type="datetimeFigureOut">
               <a:rPr lang="zh-CN" altLang="en-US" smtClean="0"/>
               <a:t>2024/3/10</a:t>
             </a:fld>
@@ -869,7 +869,7 @@
           <p:cNvPr id="5" name="页脚占位符 4">
             <a:extLst>
               <a:ext uri="{FF2B5EF4-FFF2-40B4-BE49-F238E27FC236}">
-                <a16:creationId xmlns:a16="http://schemas.microsoft.com/office/drawing/2014/main" id="{D7F87397-3FA3-BDFC-E92D-F0BE72C198A8}"/>
+                <a16:creationId xmlns:a16="http://schemas.microsoft.com/office/drawing/2014/main" id="{0D766F8F-2E84-17DC-5A21-DA47E7E918CE}"/>
               </a:ext>
             </a:extLst>
           </p:cNvPr>
@@ -894,7 +894,7 @@
           <p:cNvPr id="6" name="灯片编号占位符 5">
             <a:extLst>
               <a:ext uri="{FF2B5EF4-FFF2-40B4-BE49-F238E27FC236}">
-                <a16:creationId xmlns:a16="http://schemas.microsoft.com/office/drawing/2014/main" id="{8939CFE2-6E86-E5D6-15C1-B321A58D6FDD}"/>
+                <a16:creationId xmlns:a16="http://schemas.microsoft.com/office/drawing/2014/main" id="{03664568-9052-8E4B-09B6-F5B3BCD88E03}"/>
               </a:ext>
             </a:extLst>
           </p:cNvPr>
@@ -910,7 +910,7 @@
           <a:bodyPr/>
           <a:lstStyle/>
           <a:p>
-            <a:fld id="{1EE849F9-E4ED-434F-B988-E3309DAF7A6B}" type="slidenum">
+            <a:fld id="{C8D815F0-8851-47BF-BEEC-81A3CE0CBE29}" type="slidenum">
               <a:rPr lang="zh-CN" altLang="en-US" smtClean="0"/>
               <a:t>‹#›</a:t>
             </a:fld>
@@ -921,7 +921,7 @@
     </p:spTree>
     <p:extLst>
       <p:ext uri="{BB962C8B-B14F-4D97-AF65-F5344CB8AC3E}">
-        <p14:creationId xmlns:p14="http://schemas.microsoft.com/office/powerpoint/2010/main" val="2084773549"/>
+        <p14:creationId xmlns:p14="http://schemas.microsoft.com/office/powerpoint/2010/main" val="1623386915"/>
       </p:ext>
     </p:extLst>
   </p:cSld>
@@ -953,7 +953,7 @@
           <p:cNvPr id="2" name="标题 1">
             <a:extLst>
               <a:ext uri="{FF2B5EF4-FFF2-40B4-BE49-F238E27FC236}">
-                <a16:creationId xmlns:a16="http://schemas.microsoft.com/office/drawing/2014/main" id="{0F67F37A-F5CA-4737-672A-81BD37C53986}"/>
+                <a16:creationId xmlns:a16="http://schemas.microsoft.com/office/drawing/2014/main" id="{9575EFC5-F647-5811-2C24-C238462F744A}"/>
               </a:ext>
             </a:extLst>
           </p:cNvPr>
@@ -990,7 +990,7 @@
           <p:cNvPr id="3" name="文本占位符 2">
             <a:extLst>
               <a:ext uri="{FF2B5EF4-FFF2-40B4-BE49-F238E27FC236}">
-                <a16:creationId xmlns:a16="http://schemas.microsoft.com/office/drawing/2014/main" id="{8E39EFFE-5CED-8281-F418-994989F218D6}"/>
+                <a16:creationId xmlns:a16="http://schemas.microsoft.com/office/drawing/2014/main" id="{F21793F8-2E99-1568-BEF0-0990B483747A}"/>
               </a:ext>
             </a:extLst>
           </p:cNvPr>
@@ -1115,7 +1115,7 @@
           <p:cNvPr id="4" name="日期占位符 3">
             <a:extLst>
               <a:ext uri="{FF2B5EF4-FFF2-40B4-BE49-F238E27FC236}">
-                <a16:creationId xmlns:a16="http://schemas.microsoft.com/office/drawing/2014/main" id="{C64CC51B-8381-54DD-6FF9-69E3BF7D613D}"/>
+                <a16:creationId xmlns:a16="http://schemas.microsoft.com/office/drawing/2014/main" id="{F0894865-A2B9-C48F-FF0C-5F1AC5A88531}"/>
               </a:ext>
             </a:extLst>
           </p:cNvPr>
@@ -1131,7 +1131,7 @@
           <a:bodyPr/>
           <a:lstStyle/>
           <a:p>
-            <a:fld id="{A8270DBE-34A6-4D9B-8710-5542EE1257B0}" type="datetimeFigureOut">
+            <a:fld id="{C515B93F-4966-4A6D-9C57-736FD80AE91F}" type="datetimeFigureOut">
               <a:rPr lang="zh-CN" altLang="en-US" smtClean="0"/>
               <a:t>2024/3/10</a:t>
             </a:fld>
@@ -1144,7 +1144,7 @@
           <p:cNvPr id="5" name="页脚占位符 4">
             <a:extLst>
               <a:ext uri="{FF2B5EF4-FFF2-40B4-BE49-F238E27FC236}">
-                <a16:creationId xmlns:a16="http://schemas.microsoft.com/office/drawing/2014/main" id="{7AB0C338-62C9-0291-A07F-EF2C38FD1502}"/>
+                <a16:creationId xmlns:a16="http://schemas.microsoft.com/office/drawing/2014/main" id="{FE223956-74A8-862F-453E-DD5B5771F554}"/>
               </a:ext>
             </a:extLst>
           </p:cNvPr>
@@ -1169,7 +1169,7 @@
           <p:cNvPr id="6" name="灯片编号占位符 5">
             <a:extLst>
               <a:ext uri="{FF2B5EF4-FFF2-40B4-BE49-F238E27FC236}">
-                <a16:creationId xmlns:a16="http://schemas.microsoft.com/office/drawing/2014/main" id="{381012E6-320A-8C12-02F3-A580EC98702A}"/>
+                <a16:creationId xmlns:a16="http://schemas.microsoft.com/office/drawing/2014/main" id="{A6BE8590-50DF-184A-55BD-4DB02CFFB088}"/>
               </a:ext>
             </a:extLst>
           </p:cNvPr>
@@ -1185,7 +1185,7 @@
           <a:bodyPr/>
           <a:lstStyle/>
           <a:p>
-            <a:fld id="{1EE849F9-E4ED-434F-B988-E3309DAF7A6B}" type="slidenum">
+            <a:fld id="{C8D815F0-8851-47BF-BEEC-81A3CE0CBE29}" type="slidenum">
               <a:rPr lang="zh-CN" altLang="en-US" smtClean="0"/>
               <a:t>‹#›</a:t>
             </a:fld>
@@ -1196,7 +1196,7 @@
     </p:spTree>
     <p:extLst>
       <p:ext uri="{BB962C8B-B14F-4D97-AF65-F5344CB8AC3E}">
-        <p14:creationId xmlns:p14="http://schemas.microsoft.com/office/powerpoint/2010/main" val="1108972920"/>
+        <p14:creationId xmlns:p14="http://schemas.microsoft.com/office/powerpoint/2010/main" val="3872213465"/>
       </p:ext>
     </p:extLst>
   </p:cSld>
@@ -1228,7 +1228,7 @@
           <p:cNvPr id="2" name="标题 1">
             <a:extLst>
               <a:ext uri="{FF2B5EF4-FFF2-40B4-BE49-F238E27FC236}">
-                <a16:creationId xmlns:a16="http://schemas.microsoft.com/office/drawing/2014/main" id="{06FD7C2F-2458-E83A-6E34-8C87731E15FA}"/>
+                <a16:creationId xmlns:a16="http://schemas.microsoft.com/office/drawing/2014/main" id="{D3A43339-A9B0-F8A4-93DF-4E3BC710A1F4}"/>
               </a:ext>
             </a:extLst>
           </p:cNvPr>
@@ -1256,7 +1256,7 @@
           <p:cNvPr id="3" name="内容占位符 2">
             <a:extLst>
               <a:ext uri="{FF2B5EF4-FFF2-40B4-BE49-F238E27FC236}">
-                <a16:creationId xmlns:a16="http://schemas.microsoft.com/office/drawing/2014/main" id="{3D805201-6FBC-ED52-24B1-8DAC7101A05F}"/>
+                <a16:creationId xmlns:a16="http://schemas.microsoft.com/office/drawing/2014/main" id="{7E2B55E4-BE49-7B20-DCBA-E9EEBE44D6DC}"/>
               </a:ext>
             </a:extLst>
           </p:cNvPr>
@@ -1318,7 +1318,7 @@
           <p:cNvPr id="4" name="内容占位符 3">
             <a:extLst>
               <a:ext uri="{FF2B5EF4-FFF2-40B4-BE49-F238E27FC236}">
-                <a16:creationId xmlns:a16="http://schemas.microsoft.com/office/drawing/2014/main" id="{FEEFCC2E-F49F-1E22-8B3F-16B2879595B9}"/>
+                <a16:creationId xmlns:a16="http://schemas.microsoft.com/office/drawing/2014/main" id="{C48EFF5A-64F8-4E95-5C9F-1F5DE8C10667}"/>
               </a:ext>
             </a:extLst>
           </p:cNvPr>
@@ -1380,7 +1380,7 @@
           <p:cNvPr id="5" name="日期占位符 4">
             <a:extLst>
               <a:ext uri="{FF2B5EF4-FFF2-40B4-BE49-F238E27FC236}">
-                <a16:creationId xmlns:a16="http://schemas.microsoft.com/office/drawing/2014/main" id="{01111F0B-6BE0-F624-0835-0E11C3449B1C}"/>
+                <a16:creationId xmlns:a16="http://schemas.microsoft.com/office/drawing/2014/main" id="{24C8F730-6701-408E-C445-EA1BD85EF607}"/>
               </a:ext>
             </a:extLst>
           </p:cNvPr>
@@ -1396,7 +1396,7 @@
           <a:bodyPr/>
           <a:lstStyle/>
           <a:p>
-            <a:fld id="{A8270DBE-34A6-4D9B-8710-5542EE1257B0}" type="datetimeFigureOut">
+            <a:fld id="{C515B93F-4966-4A6D-9C57-736FD80AE91F}" type="datetimeFigureOut">
               <a:rPr lang="zh-CN" altLang="en-US" smtClean="0"/>
               <a:t>2024/3/10</a:t>
             </a:fld>
@@ -1409,7 +1409,7 @@
           <p:cNvPr id="6" name="页脚占位符 5">
             <a:extLst>
               <a:ext uri="{FF2B5EF4-FFF2-40B4-BE49-F238E27FC236}">
-                <a16:creationId xmlns:a16="http://schemas.microsoft.com/office/drawing/2014/main" id="{7637F0C5-A4EA-3725-6049-3B5BC7F37E96}"/>
+                <a16:creationId xmlns:a16="http://schemas.microsoft.com/office/drawing/2014/main" id="{03469623-C4D6-7327-3C6C-FEE4F5B19906}"/>
               </a:ext>
             </a:extLst>
           </p:cNvPr>
@@ -1434,7 +1434,7 @@
           <p:cNvPr id="7" name="灯片编号占位符 6">
             <a:extLst>
               <a:ext uri="{FF2B5EF4-FFF2-40B4-BE49-F238E27FC236}">
-                <a16:creationId xmlns:a16="http://schemas.microsoft.com/office/drawing/2014/main" id="{8F6D8F96-C54A-BAF2-76B2-54495A43DB67}"/>
+                <a16:creationId xmlns:a16="http://schemas.microsoft.com/office/drawing/2014/main" id="{2BB39828-8A3F-6C1F-1EDC-07D4A50A427A}"/>
               </a:ext>
             </a:extLst>
           </p:cNvPr>
@@ -1450,7 +1450,7 @@
           <a:bodyPr/>
           <a:lstStyle/>
           <a:p>
-            <a:fld id="{1EE849F9-E4ED-434F-B988-E3309DAF7A6B}" type="slidenum">
+            <a:fld id="{C8D815F0-8851-47BF-BEEC-81A3CE0CBE29}" type="slidenum">
               <a:rPr lang="zh-CN" altLang="en-US" smtClean="0"/>
               <a:t>‹#›</a:t>
             </a:fld>
@@ -1461,7 +1461,7 @@
     </p:spTree>
     <p:extLst>
       <p:ext uri="{BB962C8B-B14F-4D97-AF65-F5344CB8AC3E}">
-        <p14:creationId xmlns:p14="http://schemas.microsoft.com/office/powerpoint/2010/main" val="2302364365"/>
+        <p14:creationId xmlns:p14="http://schemas.microsoft.com/office/powerpoint/2010/main" val="3294435814"/>
       </p:ext>
     </p:extLst>
   </p:cSld>
@@ -1493,7 +1493,7 @@
           <p:cNvPr id="2" name="标题 1">
             <a:extLst>
               <a:ext uri="{FF2B5EF4-FFF2-40B4-BE49-F238E27FC236}">
-                <a16:creationId xmlns:a16="http://schemas.microsoft.com/office/drawing/2014/main" id="{71B65D18-91F7-B948-142C-4B7CD74085AB}"/>
+                <a16:creationId xmlns:a16="http://schemas.microsoft.com/office/drawing/2014/main" id="{6AC84DE9-97D6-72BE-F617-4A321279817A}"/>
               </a:ext>
             </a:extLst>
           </p:cNvPr>
@@ -1526,7 +1526,7 @@
           <p:cNvPr id="3" name="文本占位符 2">
             <a:extLst>
               <a:ext uri="{FF2B5EF4-FFF2-40B4-BE49-F238E27FC236}">
-                <a16:creationId xmlns:a16="http://schemas.microsoft.com/office/drawing/2014/main" id="{583B265B-3511-A1B5-3195-DB1CB4923E24}"/>
+                <a16:creationId xmlns:a16="http://schemas.microsoft.com/office/drawing/2014/main" id="{766181DA-9569-D724-DC8C-ABDBD51B69A3}"/>
               </a:ext>
             </a:extLst>
           </p:cNvPr>
@@ -1597,7 +1597,7 @@
           <p:cNvPr id="4" name="内容占位符 3">
             <a:extLst>
               <a:ext uri="{FF2B5EF4-FFF2-40B4-BE49-F238E27FC236}">
-                <a16:creationId xmlns:a16="http://schemas.microsoft.com/office/drawing/2014/main" id="{22B90A73-5484-21A1-6205-FD963275A733}"/>
+                <a16:creationId xmlns:a16="http://schemas.microsoft.com/office/drawing/2014/main" id="{85382911-6B3C-BC1D-3AA9-DA58C23A0D39}"/>
               </a:ext>
             </a:extLst>
           </p:cNvPr>
@@ -1659,7 +1659,7 @@
           <p:cNvPr id="5" name="文本占位符 4">
             <a:extLst>
               <a:ext uri="{FF2B5EF4-FFF2-40B4-BE49-F238E27FC236}">
-                <a16:creationId xmlns:a16="http://schemas.microsoft.com/office/drawing/2014/main" id="{A72A86B1-2014-8D7D-E963-1C5DC9C2EF69}"/>
+                <a16:creationId xmlns:a16="http://schemas.microsoft.com/office/drawing/2014/main" id="{865421D5-89EA-ECAF-E95A-FA50CF281653}"/>
               </a:ext>
             </a:extLst>
           </p:cNvPr>
@@ -1730,7 +1730,7 @@
           <p:cNvPr id="6" name="内容占位符 5">
             <a:extLst>
               <a:ext uri="{FF2B5EF4-FFF2-40B4-BE49-F238E27FC236}">
-                <a16:creationId xmlns:a16="http://schemas.microsoft.com/office/drawing/2014/main" id="{AA7EC26B-8CE5-222F-F7CC-41B6F174B15B}"/>
+                <a16:creationId xmlns:a16="http://schemas.microsoft.com/office/drawing/2014/main" id="{A6AAADE8-793C-08C6-5379-7DD819656B9F}"/>
               </a:ext>
             </a:extLst>
           </p:cNvPr>
@@ -1792,7 +1792,7 @@
           <p:cNvPr id="7" name="日期占位符 6">
             <a:extLst>
               <a:ext uri="{FF2B5EF4-FFF2-40B4-BE49-F238E27FC236}">
-                <a16:creationId xmlns:a16="http://schemas.microsoft.com/office/drawing/2014/main" id="{A4FBC30B-3104-9B52-F2EF-E0842E28E1EC}"/>
+                <a16:creationId xmlns:a16="http://schemas.microsoft.com/office/drawing/2014/main" id="{82F0D684-5C0F-9E99-7217-91128224CC7E}"/>
               </a:ext>
             </a:extLst>
           </p:cNvPr>
@@ -1808,7 +1808,7 @@
           <a:bodyPr/>
           <a:lstStyle/>
           <a:p>
-            <a:fld id="{A8270DBE-34A6-4D9B-8710-5542EE1257B0}" type="datetimeFigureOut">
+            <a:fld id="{C515B93F-4966-4A6D-9C57-736FD80AE91F}" type="datetimeFigureOut">
               <a:rPr lang="zh-CN" altLang="en-US" smtClean="0"/>
               <a:t>2024/3/10</a:t>
             </a:fld>
@@ -1821,7 +1821,7 @@
           <p:cNvPr id="8" name="页脚占位符 7">
             <a:extLst>
               <a:ext uri="{FF2B5EF4-FFF2-40B4-BE49-F238E27FC236}">
-                <a16:creationId xmlns:a16="http://schemas.microsoft.com/office/drawing/2014/main" id="{5C131B6F-CD5D-0DCF-2167-F56F9A6CBB83}"/>
+                <a16:creationId xmlns:a16="http://schemas.microsoft.com/office/drawing/2014/main" id="{7B7B8B5F-1220-7FC9-22F8-A169802B8818}"/>
               </a:ext>
             </a:extLst>
           </p:cNvPr>
@@ -1846,7 +1846,7 @@
           <p:cNvPr id="9" name="灯片编号占位符 8">
             <a:extLst>
               <a:ext uri="{FF2B5EF4-FFF2-40B4-BE49-F238E27FC236}">
-                <a16:creationId xmlns:a16="http://schemas.microsoft.com/office/drawing/2014/main" id="{AC27FE88-8E22-DCC4-6077-B7667BDA2AEC}"/>
+                <a16:creationId xmlns:a16="http://schemas.microsoft.com/office/drawing/2014/main" id="{6D206851-FF58-25AB-18B0-04924FD5D572}"/>
               </a:ext>
             </a:extLst>
           </p:cNvPr>
@@ -1862,7 +1862,7 @@
           <a:bodyPr/>
           <a:lstStyle/>
           <a:p>
-            <a:fld id="{1EE849F9-E4ED-434F-B988-E3309DAF7A6B}" type="slidenum">
+            <a:fld id="{C8D815F0-8851-47BF-BEEC-81A3CE0CBE29}" type="slidenum">
               <a:rPr lang="zh-CN" altLang="en-US" smtClean="0"/>
               <a:t>‹#›</a:t>
             </a:fld>
@@ -1873,7 +1873,7 @@
     </p:spTree>
     <p:extLst>
       <p:ext uri="{BB962C8B-B14F-4D97-AF65-F5344CB8AC3E}">
-        <p14:creationId xmlns:p14="http://schemas.microsoft.com/office/powerpoint/2010/main" val="1281911773"/>
+        <p14:creationId xmlns:p14="http://schemas.microsoft.com/office/powerpoint/2010/main" val="3209262774"/>
       </p:ext>
     </p:extLst>
   </p:cSld>
@@ -1905,7 +1905,7 @@
           <p:cNvPr id="2" name="标题 1">
             <a:extLst>
               <a:ext uri="{FF2B5EF4-FFF2-40B4-BE49-F238E27FC236}">
-                <a16:creationId xmlns:a16="http://schemas.microsoft.com/office/drawing/2014/main" id="{8C606EEE-C101-0BBA-D708-1939A7937A9F}"/>
+                <a16:creationId xmlns:a16="http://schemas.microsoft.com/office/drawing/2014/main" id="{99AB2F5E-B4EF-424A-14E5-BE69B8F0A292}"/>
               </a:ext>
             </a:extLst>
           </p:cNvPr>
@@ -1933,7 +1933,7 @@
           <p:cNvPr id="3" name="日期占位符 2">
             <a:extLst>
               <a:ext uri="{FF2B5EF4-FFF2-40B4-BE49-F238E27FC236}">
-                <a16:creationId xmlns:a16="http://schemas.microsoft.com/office/drawing/2014/main" id="{7E5AC2F5-AA2B-94CE-495D-1813690CDA0D}"/>
+                <a16:creationId xmlns:a16="http://schemas.microsoft.com/office/drawing/2014/main" id="{328548FC-DF2C-95BD-6419-C3C32A089026}"/>
               </a:ext>
             </a:extLst>
           </p:cNvPr>
@@ -1949,7 +1949,7 @@
           <a:bodyPr/>
           <a:lstStyle/>
           <a:p>
-            <a:fld id="{A8270DBE-34A6-4D9B-8710-5542EE1257B0}" type="datetimeFigureOut">
+            <a:fld id="{C515B93F-4966-4A6D-9C57-736FD80AE91F}" type="datetimeFigureOut">
               <a:rPr lang="zh-CN" altLang="en-US" smtClean="0"/>
               <a:t>2024/3/10</a:t>
             </a:fld>
@@ -1962,7 +1962,7 @@
           <p:cNvPr id="4" name="页脚占位符 3">
             <a:extLst>
               <a:ext uri="{FF2B5EF4-FFF2-40B4-BE49-F238E27FC236}">
-                <a16:creationId xmlns:a16="http://schemas.microsoft.com/office/drawing/2014/main" id="{7471A0CE-814D-5E24-A0C2-DB51B4CCABF8}"/>
+                <a16:creationId xmlns:a16="http://schemas.microsoft.com/office/drawing/2014/main" id="{06E1F1FE-1E0E-CE65-86A7-BA87B41D9CFD}"/>
               </a:ext>
             </a:extLst>
           </p:cNvPr>
@@ -1987,7 +1987,7 @@
           <p:cNvPr id="5" name="灯片编号占位符 4">
             <a:extLst>
               <a:ext uri="{FF2B5EF4-FFF2-40B4-BE49-F238E27FC236}">
-                <a16:creationId xmlns:a16="http://schemas.microsoft.com/office/drawing/2014/main" id="{EA329B05-41E4-983F-8ABD-2E3C387FB83B}"/>
+                <a16:creationId xmlns:a16="http://schemas.microsoft.com/office/drawing/2014/main" id="{03CCF812-3ACD-7841-7122-443B3C69E49D}"/>
               </a:ext>
             </a:extLst>
           </p:cNvPr>
@@ -2003,7 +2003,7 @@
           <a:bodyPr/>
           <a:lstStyle/>
           <a:p>
-            <a:fld id="{1EE849F9-E4ED-434F-B988-E3309DAF7A6B}" type="slidenum">
+            <a:fld id="{C8D815F0-8851-47BF-BEEC-81A3CE0CBE29}" type="slidenum">
               <a:rPr lang="zh-CN" altLang="en-US" smtClean="0"/>
               <a:t>‹#›</a:t>
             </a:fld>
@@ -2014,7 +2014,7 @@
     </p:spTree>
     <p:extLst>
       <p:ext uri="{BB962C8B-B14F-4D97-AF65-F5344CB8AC3E}">
-        <p14:creationId xmlns:p14="http://schemas.microsoft.com/office/powerpoint/2010/main" val="777718536"/>
+        <p14:creationId xmlns:p14="http://schemas.microsoft.com/office/powerpoint/2010/main" val="2647199765"/>
       </p:ext>
     </p:extLst>
   </p:cSld>
@@ -2046,7 +2046,7 @@
           <p:cNvPr id="2" name="日期占位符 1">
             <a:extLst>
               <a:ext uri="{FF2B5EF4-FFF2-40B4-BE49-F238E27FC236}">
-                <a16:creationId xmlns:a16="http://schemas.microsoft.com/office/drawing/2014/main" id="{3003B5DB-5597-3525-0EA6-E81B46590D65}"/>
+                <a16:creationId xmlns:a16="http://schemas.microsoft.com/office/drawing/2014/main" id="{EBF6E036-A574-AFDC-5326-9623D9A3C016}"/>
               </a:ext>
             </a:extLst>
           </p:cNvPr>
@@ -2062,7 +2062,7 @@
           <a:bodyPr/>
           <a:lstStyle/>
           <a:p>
-            <a:fld id="{A8270DBE-34A6-4D9B-8710-5542EE1257B0}" type="datetimeFigureOut">
+            <a:fld id="{C515B93F-4966-4A6D-9C57-736FD80AE91F}" type="datetimeFigureOut">
               <a:rPr lang="zh-CN" altLang="en-US" smtClean="0"/>
               <a:t>2024/3/10</a:t>
             </a:fld>
@@ -2075,7 +2075,7 @@
           <p:cNvPr id="3" name="页脚占位符 2">
             <a:extLst>
               <a:ext uri="{FF2B5EF4-FFF2-40B4-BE49-F238E27FC236}">
-                <a16:creationId xmlns:a16="http://schemas.microsoft.com/office/drawing/2014/main" id="{F2943CF6-3C05-D602-DD50-29B327A77845}"/>
+                <a16:creationId xmlns:a16="http://schemas.microsoft.com/office/drawing/2014/main" id="{160E72F0-2CCC-1ADF-2A68-B7CD20303E1F}"/>
               </a:ext>
             </a:extLst>
           </p:cNvPr>
@@ -2100,7 +2100,7 @@
           <p:cNvPr id="4" name="灯片编号占位符 3">
             <a:extLst>
               <a:ext uri="{FF2B5EF4-FFF2-40B4-BE49-F238E27FC236}">
-                <a16:creationId xmlns:a16="http://schemas.microsoft.com/office/drawing/2014/main" id="{A5021967-FEDE-3FD7-5D0E-21BFC305A293}"/>
+                <a16:creationId xmlns:a16="http://schemas.microsoft.com/office/drawing/2014/main" id="{944A9B2F-E9B8-2CD7-8F4E-BB37E03CACA3}"/>
               </a:ext>
             </a:extLst>
           </p:cNvPr>
@@ -2116,7 +2116,7 @@
           <a:bodyPr/>
           <a:lstStyle/>
           <a:p>
-            <a:fld id="{1EE849F9-E4ED-434F-B988-E3309DAF7A6B}" type="slidenum">
+            <a:fld id="{C8D815F0-8851-47BF-BEEC-81A3CE0CBE29}" type="slidenum">
               <a:rPr lang="zh-CN" altLang="en-US" smtClean="0"/>
               <a:t>‹#›</a:t>
             </a:fld>
@@ -2127,7 +2127,7 @@
     </p:spTree>
     <p:extLst>
       <p:ext uri="{BB962C8B-B14F-4D97-AF65-F5344CB8AC3E}">
-        <p14:creationId xmlns:p14="http://schemas.microsoft.com/office/powerpoint/2010/main" val="772985450"/>
+        <p14:creationId xmlns:p14="http://schemas.microsoft.com/office/powerpoint/2010/main" val="1196708522"/>
       </p:ext>
     </p:extLst>
   </p:cSld>
@@ -2159,7 +2159,7 @@
           <p:cNvPr id="2" name="标题 1">
             <a:extLst>
               <a:ext uri="{FF2B5EF4-FFF2-40B4-BE49-F238E27FC236}">
-                <a16:creationId xmlns:a16="http://schemas.microsoft.com/office/drawing/2014/main" id="{F4040397-2529-3C03-5670-5236431633A9}"/>
+                <a16:creationId xmlns:a16="http://schemas.microsoft.com/office/drawing/2014/main" id="{41C5FE1F-C0A4-3B8C-9EE9-5CF40223CA67}"/>
               </a:ext>
             </a:extLst>
           </p:cNvPr>
@@ -2196,7 +2196,7 @@
           <p:cNvPr id="3" name="内容占位符 2">
             <a:extLst>
               <a:ext uri="{FF2B5EF4-FFF2-40B4-BE49-F238E27FC236}">
-                <a16:creationId xmlns:a16="http://schemas.microsoft.com/office/drawing/2014/main" id="{A2533A08-AD15-CD1B-968E-A2A42B66F3C6}"/>
+                <a16:creationId xmlns:a16="http://schemas.microsoft.com/office/drawing/2014/main" id="{9A167A1F-E94F-9DB1-2E35-C36B6CE0CE2D}"/>
               </a:ext>
             </a:extLst>
           </p:cNvPr>
@@ -2286,7 +2286,7 @@
           <p:cNvPr id="4" name="文本占位符 3">
             <a:extLst>
               <a:ext uri="{FF2B5EF4-FFF2-40B4-BE49-F238E27FC236}">
-                <a16:creationId xmlns:a16="http://schemas.microsoft.com/office/drawing/2014/main" id="{9B04781D-F407-A2DC-06A6-1B05EFA57F88}"/>
+                <a16:creationId xmlns:a16="http://schemas.microsoft.com/office/drawing/2014/main" id="{52616069-C341-F3EC-481B-BF3236C4989F}"/>
               </a:ext>
             </a:extLst>
           </p:cNvPr>
@@ -2357,7 +2357,7 @@
           <p:cNvPr id="5" name="日期占位符 4">
             <a:extLst>
               <a:ext uri="{FF2B5EF4-FFF2-40B4-BE49-F238E27FC236}">
-                <a16:creationId xmlns:a16="http://schemas.microsoft.com/office/drawing/2014/main" id="{6B12E7FA-AE4B-A9F6-CCA4-D76602545007}"/>
+                <a16:creationId xmlns:a16="http://schemas.microsoft.com/office/drawing/2014/main" id="{C6161E33-4992-2C51-108A-0492AA520F8A}"/>
               </a:ext>
             </a:extLst>
           </p:cNvPr>
@@ -2373,7 +2373,7 @@
           <a:bodyPr/>
           <a:lstStyle/>
           <a:p>
-            <a:fld id="{A8270DBE-34A6-4D9B-8710-5542EE1257B0}" type="datetimeFigureOut">
+            <a:fld id="{C515B93F-4966-4A6D-9C57-736FD80AE91F}" type="datetimeFigureOut">
               <a:rPr lang="zh-CN" altLang="en-US" smtClean="0"/>
               <a:t>2024/3/10</a:t>
             </a:fld>
@@ -2386,7 +2386,7 @@
           <p:cNvPr id="6" name="页脚占位符 5">
             <a:extLst>
               <a:ext uri="{FF2B5EF4-FFF2-40B4-BE49-F238E27FC236}">
-                <a16:creationId xmlns:a16="http://schemas.microsoft.com/office/drawing/2014/main" id="{1BE49447-5834-AAF4-CF2D-61A2ACE575CB}"/>
+                <a16:creationId xmlns:a16="http://schemas.microsoft.com/office/drawing/2014/main" id="{3DAA81E2-42AA-D941-E6D0-00B662EF6CBE}"/>
               </a:ext>
             </a:extLst>
           </p:cNvPr>
@@ -2411,7 +2411,7 @@
           <p:cNvPr id="7" name="灯片编号占位符 6">
             <a:extLst>
               <a:ext uri="{FF2B5EF4-FFF2-40B4-BE49-F238E27FC236}">
-                <a16:creationId xmlns:a16="http://schemas.microsoft.com/office/drawing/2014/main" id="{DEE1134C-0C73-E2C5-8A0A-45AA07FB8FA1}"/>
+                <a16:creationId xmlns:a16="http://schemas.microsoft.com/office/drawing/2014/main" id="{F63DA5C7-D21A-A90E-D1A9-357EBBB8214A}"/>
               </a:ext>
             </a:extLst>
           </p:cNvPr>
@@ -2427,7 +2427,7 @@
           <a:bodyPr/>
           <a:lstStyle/>
           <a:p>
-            <a:fld id="{1EE849F9-E4ED-434F-B988-E3309DAF7A6B}" type="slidenum">
+            <a:fld id="{C8D815F0-8851-47BF-BEEC-81A3CE0CBE29}" type="slidenum">
               <a:rPr lang="zh-CN" altLang="en-US" smtClean="0"/>
               <a:t>‹#›</a:t>
             </a:fld>
@@ -2438,7 +2438,7 @@
     </p:spTree>
     <p:extLst>
       <p:ext uri="{BB962C8B-B14F-4D97-AF65-F5344CB8AC3E}">
-        <p14:creationId xmlns:p14="http://schemas.microsoft.com/office/powerpoint/2010/main" val="1382939100"/>
+        <p14:creationId xmlns:p14="http://schemas.microsoft.com/office/powerpoint/2010/main" val="1412058764"/>
       </p:ext>
     </p:extLst>
   </p:cSld>
@@ -2470,7 +2470,7 @@
           <p:cNvPr id="2" name="标题 1">
             <a:extLst>
               <a:ext uri="{FF2B5EF4-FFF2-40B4-BE49-F238E27FC236}">
-                <a16:creationId xmlns:a16="http://schemas.microsoft.com/office/drawing/2014/main" id="{6BC32AEC-4516-5DBF-0C0B-AA3BBC115FFF}"/>
+                <a16:creationId xmlns:a16="http://schemas.microsoft.com/office/drawing/2014/main" id="{424F0179-588C-2338-3C92-D21232A5317F}"/>
               </a:ext>
             </a:extLst>
           </p:cNvPr>
@@ -2507,7 +2507,7 @@
           <p:cNvPr id="3" name="图片占位符 2">
             <a:extLst>
               <a:ext uri="{FF2B5EF4-FFF2-40B4-BE49-F238E27FC236}">
-                <a16:creationId xmlns:a16="http://schemas.microsoft.com/office/drawing/2014/main" id="{BE9433C5-B0EB-2F80-D06B-2C12702095D6}"/>
+                <a16:creationId xmlns:a16="http://schemas.microsoft.com/office/drawing/2014/main" id="{63E0545F-737B-EC29-C6D2-3E0134E215FA}"/>
               </a:ext>
             </a:extLst>
           </p:cNvPr>
@@ -2574,7 +2574,7 @@
           <p:cNvPr id="4" name="文本占位符 3">
             <a:extLst>
               <a:ext uri="{FF2B5EF4-FFF2-40B4-BE49-F238E27FC236}">
-                <a16:creationId xmlns:a16="http://schemas.microsoft.com/office/drawing/2014/main" id="{907FCC63-F7BA-B8C1-9A3B-58FDEB48E9AF}"/>
+                <a16:creationId xmlns:a16="http://schemas.microsoft.com/office/drawing/2014/main" id="{6A9B4F1F-B7A1-7DAE-92FD-55521B2C2551}"/>
               </a:ext>
             </a:extLst>
           </p:cNvPr>
@@ -2645,7 +2645,7 @@
           <p:cNvPr id="5" name="日期占位符 4">
             <a:extLst>
               <a:ext uri="{FF2B5EF4-FFF2-40B4-BE49-F238E27FC236}">
-                <a16:creationId xmlns:a16="http://schemas.microsoft.com/office/drawing/2014/main" id="{2374FDF3-98EA-3F63-D342-CAD0E6FF2B64}"/>
+                <a16:creationId xmlns:a16="http://schemas.microsoft.com/office/drawing/2014/main" id="{559E9B38-7294-28E6-7208-462782F8E542}"/>
               </a:ext>
             </a:extLst>
           </p:cNvPr>
@@ -2661,7 +2661,7 @@
           <a:bodyPr/>
           <a:lstStyle/>
           <a:p>
-            <a:fld id="{A8270DBE-34A6-4D9B-8710-5542EE1257B0}" type="datetimeFigureOut">
+            <a:fld id="{C515B93F-4966-4A6D-9C57-736FD80AE91F}" type="datetimeFigureOut">
               <a:rPr lang="zh-CN" altLang="en-US" smtClean="0"/>
               <a:t>2024/3/10</a:t>
             </a:fld>
@@ -2674,7 +2674,7 @@
           <p:cNvPr id="6" name="页脚占位符 5">
             <a:extLst>
               <a:ext uri="{FF2B5EF4-FFF2-40B4-BE49-F238E27FC236}">
-                <a16:creationId xmlns:a16="http://schemas.microsoft.com/office/drawing/2014/main" id="{9DB460FD-ED67-351E-DB3A-78B3D3042F66}"/>
+                <a16:creationId xmlns:a16="http://schemas.microsoft.com/office/drawing/2014/main" id="{386D5893-A392-D25A-BC9A-21F4C9098F6A}"/>
               </a:ext>
             </a:extLst>
           </p:cNvPr>
@@ -2699,7 +2699,7 @@
           <p:cNvPr id="7" name="灯片编号占位符 6">
             <a:extLst>
               <a:ext uri="{FF2B5EF4-FFF2-40B4-BE49-F238E27FC236}">
-                <a16:creationId xmlns:a16="http://schemas.microsoft.com/office/drawing/2014/main" id="{E955231E-668B-8645-AE87-5B626140A227}"/>
+                <a16:creationId xmlns:a16="http://schemas.microsoft.com/office/drawing/2014/main" id="{CF836F4E-635D-CC3E-DFEC-4BDE6589595D}"/>
               </a:ext>
             </a:extLst>
           </p:cNvPr>
@@ -2715,7 +2715,7 @@
           <a:bodyPr/>
           <a:lstStyle/>
           <a:p>
-            <a:fld id="{1EE849F9-E4ED-434F-B988-E3309DAF7A6B}" type="slidenum">
+            <a:fld id="{C8D815F0-8851-47BF-BEEC-81A3CE0CBE29}" type="slidenum">
               <a:rPr lang="zh-CN" altLang="en-US" smtClean="0"/>
               <a:t>‹#›</a:t>
             </a:fld>
@@ -2726,7 +2726,7 @@
     </p:spTree>
     <p:extLst>
       <p:ext uri="{BB962C8B-B14F-4D97-AF65-F5344CB8AC3E}">
-        <p14:creationId xmlns:p14="http://schemas.microsoft.com/office/powerpoint/2010/main" val="1401142701"/>
+        <p14:creationId xmlns:p14="http://schemas.microsoft.com/office/powerpoint/2010/main" val="1687082085"/>
       </p:ext>
     </p:extLst>
   </p:cSld>
@@ -2763,7 +2763,7 @@
           <p:cNvPr id="2" name="标题占位符 1">
             <a:extLst>
               <a:ext uri="{FF2B5EF4-FFF2-40B4-BE49-F238E27FC236}">
-                <a16:creationId xmlns:a16="http://schemas.microsoft.com/office/drawing/2014/main" id="{222BAAD7-540E-7F84-03F7-45DE1695E14B}"/>
+                <a16:creationId xmlns:a16="http://schemas.microsoft.com/office/drawing/2014/main" id="{76201372-1498-A1A8-3279-B019D4835F6A}"/>
               </a:ext>
             </a:extLst>
           </p:cNvPr>
@@ -2801,7 +2801,7 @@
           <p:cNvPr id="3" name="文本占位符 2">
             <a:extLst>
               <a:ext uri="{FF2B5EF4-FFF2-40B4-BE49-F238E27FC236}">
-                <a16:creationId xmlns:a16="http://schemas.microsoft.com/office/drawing/2014/main" id="{E42F8BC6-5E3F-C2A8-E93C-94732485FC2C}"/>
+                <a16:creationId xmlns:a16="http://schemas.microsoft.com/office/drawing/2014/main" id="{7D487DAB-168D-AD84-6C68-9C213848632D}"/>
               </a:ext>
             </a:extLst>
           </p:cNvPr>
@@ -2868,7 +2868,7 @@
           <p:cNvPr id="4" name="日期占位符 3">
             <a:extLst>
               <a:ext uri="{FF2B5EF4-FFF2-40B4-BE49-F238E27FC236}">
-                <a16:creationId xmlns:a16="http://schemas.microsoft.com/office/drawing/2014/main" id="{86AA4CA3-72EC-12D4-D98D-6154ED5D02BC}"/>
+                <a16:creationId xmlns:a16="http://schemas.microsoft.com/office/drawing/2014/main" id="{17345996-3A4E-9BCD-64A5-DE388B175340}"/>
               </a:ext>
             </a:extLst>
           </p:cNvPr>
@@ -2902,7 +2902,7 @@
             </a:lvl1pPr>
           </a:lstStyle>
           <a:p>
-            <a:fld id="{A8270DBE-34A6-4D9B-8710-5542EE1257B0}" type="datetimeFigureOut">
+            <a:fld id="{C515B93F-4966-4A6D-9C57-736FD80AE91F}" type="datetimeFigureOut">
               <a:rPr lang="zh-CN" altLang="en-US" smtClean="0"/>
               <a:t>2024/3/10</a:t>
             </a:fld>
@@ -2915,7 +2915,7 @@
           <p:cNvPr id="5" name="页脚占位符 4">
             <a:extLst>
               <a:ext uri="{FF2B5EF4-FFF2-40B4-BE49-F238E27FC236}">
-                <a16:creationId xmlns:a16="http://schemas.microsoft.com/office/drawing/2014/main" id="{85464CDD-0FD0-600A-AB2C-B9DF6F2E4A79}"/>
+                <a16:creationId xmlns:a16="http://schemas.microsoft.com/office/drawing/2014/main" id="{25B065C1-0C71-B664-ABA4-45CD563DF762}"/>
               </a:ext>
             </a:extLst>
           </p:cNvPr>
@@ -2958,7 +2958,7 @@
           <p:cNvPr id="6" name="灯片编号占位符 5">
             <a:extLst>
               <a:ext uri="{FF2B5EF4-FFF2-40B4-BE49-F238E27FC236}">
-                <a16:creationId xmlns:a16="http://schemas.microsoft.com/office/drawing/2014/main" id="{799B847C-2B10-B8C6-F134-C3A255D88EBF}"/>
+                <a16:creationId xmlns:a16="http://schemas.microsoft.com/office/drawing/2014/main" id="{F2783D8C-9D04-18B2-93BB-45CAC37DD923}"/>
               </a:ext>
             </a:extLst>
           </p:cNvPr>
@@ -2992,7 +2992,7 @@
             </a:lvl1pPr>
           </a:lstStyle>
           <a:p>
-            <a:fld id="{1EE849F9-E4ED-434F-B988-E3309DAF7A6B}" type="slidenum">
+            <a:fld id="{C8D815F0-8851-47BF-BEEC-81A3CE0CBE29}" type="slidenum">
               <a:rPr lang="zh-CN" altLang="en-US" smtClean="0"/>
               <a:t>‹#›</a:t>
             </a:fld>
@@ -3003,7 +3003,7 @@
     </p:spTree>
     <p:extLst>
       <p:ext uri="{BB962C8B-B14F-4D97-AF65-F5344CB8AC3E}">
-        <p14:creationId xmlns:p14="http://schemas.microsoft.com/office/powerpoint/2010/main" val="4033524953"/>
+        <p14:creationId xmlns:p14="http://schemas.microsoft.com/office/powerpoint/2010/main" val="2157168162"/>
       </p:ext>
     </p:extLst>
   </p:cSld>
@@ -3323,7 +3323,7 @@
       </p:grpSpPr>
       <p:pic>
         <p:nvPicPr>
-          <p:cNvPr id="1033218" name="Picture 2" descr="1008"/>
+          <p:cNvPr id="1034242" name="Picture 2" descr="1009"/>
           <p:cNvPicPr>
             <a:picLocks noChangeAspect="1" noChangeArrowheads="1"/>
           </p:cNvPicPr>
@@ -3344,8 +3344,8 @@
         </p:blipFill>
         <p:spPr bwMode="auto">
           <a:xfrm>
-            <a:off x="1543050" y="1"/>
-            <a:ext cx="9124950" cy="6843713"/>
+            <a:off x="1524001" y="0"/>
+            <a:ext cx="9053513" cy="6789738"/>
           </a:xfrm>
           <a:prstGeom prst="rect">
             <a:avLst/>
